--- a/ArchConf2015-takeaways-v2.pptx
+++ b/ArchConf2015-takeaways-v2.pptx
@@ -6265,7 +6265,7 @@
       </p:sp>
       <p:pic>
         <p:nvPicPr>
-          <p:cNvPr id="4" name="Picture 3"/>
+          <p:cNvPr id="3" name="Picture 2"/>
           <p:cNvPicPr>
             <a:picLocks noChangeAspect="1"/>
           </p:cNvPicPr>
@@ -6279,8 +6279,8 @@
         </p:blipFill>
         <p:spPr>
           <a:xfrm>
-            <a:off x="1028096" y="1777539"/>
-            <a:ext cx="7232952" cy="5080461"/>
+            <a:off x="887737" y="1445232"/>
+            <a:ext cx="7706051" cy="5412768"/>
           </a:xfrm>
           <a:prstGeom prst="rect">
             <a:avLst/>
@@ -6545,7 +6545,6 @@
               <a:rPr lang="en-US" dirty="0"/>
               <a:t>Agile Design · Scalable Systems · Microservices · Evolutionary Architecture · Distributed Systems · Continuous Delivery · Service-Based Architecture · Design Principles · Soft Skills · Web Application Security · Enterprise Messaging · Data Architecture · Architecture Patterns · Cloud Architectures · Measuring and Profiling · Modular Java</a:t>
             </a:r>
-            <a:endParaRPr lang="en-US" dirty="0"/>
           </a:p>
         </p:txBody>
       </p:sp>

--- a/ArchConf2015-takeaways-v2.pptx
+++ b/ArchConf2015-takeaways-v2.pptx
@@ -6265,7 +6265,7 @@
       </p:sp>
       <p:pic>
         <p:nvPicPr>
-          <p:cNvPr id="3" name="Picture 2"/>
+          <p:cNvPr id="4" name="Picture 3"/>
           <p:cNvPicPr>
             <a:picLocks noChangeAspect="1"/>
           </p:cNvPicPr>
@@ -6279,8 +6279,8 @@
         </p:blipFill>
         <p:spPr>
           <a:xfrm>
-            <a:off x="887737" y="1445232"/>
-            <a:ext cx="7706051" cy="5412768"/>
+            <a:off x="0" y="2249277"/>
+            <a:ext cx="9144000" cy="4608723"/>
           </a:xfrm>
           <a:prstGeom prst="rect">
             <a:avLst/>

--- a/ArchConf2015-takeaways-v2.pptx
+++ b/ArchConf2015-takeaways-v2.pptx
@@ -5,7 +5,7 @@
     <p:sldMasterId id="2147483660" r:id="rId1"/>
   </p:sldMasterIdLst>
   <p:notesMasterIdLst>
-    <p:notesMasterId r:id="rId13"/>
+    <p:notesMasterId r:id="rId14"/>
   </p:notesMasterIdLst>
   <p:sldIdLst>
     <p:sldId id="256" r:id="rId2"/>
@@ -19,6 +19,7 @@
     <p:sldId id="264" r:id="rId10"/>
     <p:sldId id="265" r:id="rId11"/>
     <p:sldId id="266" r:id="rId12"/>
+    <p:sldId id="267" r:id="rId13"/>
   </p:sldIdLst>
   <p:sldSz cx="9144000" cy="6858000" type="screen4x3"/>
   <p:notesSz cx="6858000" cy="9144000"/>
@@ -117,6 +118,22 @@
       </a:defRPr>
     </a:lvl9pPr>
   </p:defaultTextStyle>
+  <p:extLst>
+    <p:ext uri="{EFAFB233-063F-42B5-8137-9DF3F51BA10A}">
+      <p15:sldGuideLst xmlns:p15="http://schemas.microsoft.com/office/powerpoint/2012/main">
+        <p15:guide id="1" orient="horz" pos="2160">
+          <p15:clr>
+            <a:srgbClr val="A4A3A4"/>
+          </p15:clr>
+        </p15:guide>
+        <p15:guide id="2" pos="2880">
+          <p15:clr>
+            <a:srgbClr val="A4A3A4"/>
+          </p15:clr>
+        </p15:guide>
+      </p15:sldGuideLst>
+    </p:ext>
+  </p:extLst>
 </p:presentation>
 </file>
 
@@ -202,7 +219,7 @@
           <a:p>
             <a:fld id="{9003AA96-19ED-1140-BD9F-1A852DFBE061}" type="datetimeFigureOut">
               <a:rPr lang="en-US" smtClean="0"/>
-              <a:t>1/4/16</a:t>
+              <a:t>1/5/2016</a:t>
             </a:fld>
             <a:endParaRPr lang="en-US"/>
           </a:p>
@@ -1106,6 +1123,146 @@
 </p:notes>
 </file>
 
+<file path=ppt/notesSlides/notesSlide3.xml><?xml version="1.0" encoding="utf-8"?>
+<p:notes xmlns:a="http://schemas.openxmlformats.org/drawingml/2006/main" xmlns:r="http://schemas.openxmlformats.org/officeDocument/2006/relationships" xmlns:p="http://schemas.openxmlformats.org/presentationml/2006/main">
+  <p:cSld>
+    <p:spTree>
+      <p:nvGrpSpPr>
+        <p:cNvPr id="1" name=""/>
+        <p:cNvGrpSpPr/>
+        <p:nvPr/>
+      </p:nvGrpSpPr>
+      <p:grpSpPr>
+        <a:xfrm>
+          <a:off x="0" y="0"/>
+          <a:ext cx="0" cy="0"/>
+          <a:chOff x="0" y="0"/>
+          <a:chExt cx="0" cy="0"/>
+        </a:xfrm>
+      </p:grpSpPr>
+      <p:sp>
+        <p:nvSpPr>
+          <p:cNvPr id="2" name="Slide Image Placeholder 1"/>
+          <p:cNvSpPr>
+            <a:spLocks noGrp="1" noRot="1" noChangeAspect="1"/>
+          </p:cNvSpPr>
+          <p:nvPr>
+            <p:ph type="sldImg"/>
+          </p:nvPr>
+        </p:nvSpPr>
+        <p:spPr/>
+      </p:sp>
+      <p:sp>
+        <p:nvSpPr>
+          <p:cNvPr id="3" name="Notes Placeholder 2"/>
+          <p:cNvSpPr>
+            <a:spLocks noGrp="1"/>
+          </p:cNvSpPr>
+          <p:nvPr>
+            <p:ph type="body" idx="1"/>
+          </p:nvPr>
+        </p:nvSpPr>
+        <p:spPr/>
+        <p:txBody>
+          <a:bodyPr/>
+          <a:lstStyle/>
+          <a:p>
+            <a:pPr marL="171450" indent="-171450">
+              <a:buFontTx/>
+              <a:buChar char="-"/>
+            </a:pPr>
+            <a:r>
+              <a:rPr lang="en-US" dirty="0" err="1" smtClean="0"/>
+              <a:t>Microservice</a:t>
+            </a:r>
+            <a:r>
+              <a:rPr lang="en-US" baseline="0" dirty="0" smtClean="0"/>
+              <a:t> 12 factor principals already </a:t>
+            </a:r>
+            <a:r>
+              <a:rPr lang="en-US" baseline="0" dirty="0" err="1" smtClean="0"/>
+              <a:t>acheived</a:t>
+            </a:r>
+            <a:r>
+              <a:rPr lang="en-US" baseline="0" dirty="0" smtClean="0"/>
+              <a:t> – version control, dependency isolation, externalized </a:t>
+            </a:r>
+            <a:r>
+              <a:rPr lang="en-US" baseline="0" dirty="0" err="1" smtClean="0"/>
+              <a:t>config</a:t>
+            </a:r>
+            <a:r>
+              <a:rPr lang="en-US" baseline="0" dirty="0" smtClean="0"/>
+              <a:t> (partial), coordinated stateless processes, concurrency (partial), logs </a:t>
+            </a:r>
+          </a:p>
+          <a:p>
+            <a:pPr marL="171450" indent="-171450">
+              <a:buFontTx/>
+              <a:buChar char="-"/>
+            </a:pPr>
+            <a:r>
+              <a:rPr lang="en-US" baseline="0" dirty="0" smtClean="0"/>
+              <a:t>Cloud Native – separately deployable (and releasable) components</a:t>
+            </a:r>
+          </a:p>
+          <a:p>
+            <a:pPr marL="171450" indent="-171450">
+              <a:buFontTx/>
+              <a:buChar char="-"/>
+            </a:pPr>
+            <a:r>
+              <a:rPr lang="en-US" baseline="0" dirty="0" smtClean="0"/>
+              <a:t>Complexity Trade-offs – 1) Stateless coordination between services relies primarily on REST integration only and may require logical/app transactional management, 2) “Carry On” cloud deployment strategy introduces infrastructure redundancy and </a:t>
+            </a:r>
+            <a:r>
+              <a:rPr lang="en-US" i="1" baseline="0" dirty="0" smtClean="0"/>
+              <a:t>may </a:t>
+            </a:r>
+            <a:r>
+              <a:rPr lang="en-US" i="0" baseline="0" dirty="0" smtClean="0"/>
+              <a:t>require an “eventually consistent” approach to data persistence. </a:t>
+            </a:r>
+            <a:endParaRPr lang="en-US" baseline="0" dirty="0" smtClean="0"/>
+          </a:p>
+        </p:txBody>
+      </p:sp>
+      <p:sp>
+        <p:nvSpPr>
+          <p:cNvPr id="4" name="Slide Number Placeholder 3"/>
+          <p:cNvSpPr>
+            <a:spLocks noGrp="1"/>
+          </p:cNvSpPr>
+          <p:nvPr>
+            <p:ph type="sldNum" sz="quarter" idx="10"/>
+          </p:nvPr>
+        </p:nvSpPr>
+        <p:spPr/>
+        <p:txBody>
+          <a:bodyPr/>
+          <a:lstStyle/>
+          <a:p>
+            <a:fld id="{E2B08091-C5CC-5945-A1E6-3EA7EDF1071D}" type="slidenum">
+              <a:rPr lang="en-US" smtClean="0"/>
+              <a:t>12</a:t>
+            </a:fld>
+            <a:endParaRPr lang="en-US"/>
+          </a:p>
+        </p:txBody>
+      </p:sp>
+    </p:spTree>
+    <p:extLst>
+      <p:ext uri="{BB962C8B-B14F-4D97-AF65-F5344CB8AC3E}">
+        <p14:creationId xmlns:p14="http://schemas.microsoft.com/office/powerpoint/2010/main" val="2090103284"/>
+      </p:ext>
+    </p:extLst>
+  </p:cSld>
+  <p:clrMapOvr>
+    <a:masterClrMapping/>
+  </p:clrMapOvr>
+</p:notes>
+</file>
+
 <file path=ppt/slideLayouts/slideLayout1.xml><?xml version="1.0" encoding="utf-8"?>
 <p:sldLayout xmlns:a="http://schemas.openxmlformats.org/drawingml/2006/main" xmlns:r="http://schemas.openxmlformats.org/officeDocument/2006/relationships" xmlns:p="http://schemas.openxmlformats.org/presentationml/2006/main" type="title" preserve="1">
   <p:cSld name="Title Slide">
@@ -1302,7 +1459,7 @@
           <a:p>
             <a:fld id="{679BC7E7-EA8E-4DA7-915E-CC098D9BADCB}" type="datetimeFigureOut">
               <a:rPr lang="en-US" smtClean="0"/>
-              <a:t>1/4/16</a:t>
+              <a:t>1/5/2016</a:t>
             </a:fld>
             <a:endParaRPr lang="en-US"/>
           </a:p>
@@ -1431,7 +1588,7 @@
           <a:p>
             <a:fld id="{679BC7E7-EA8E-4DA7-915E-CC098D9BADCB}" type="datetimeFigureOut">
               <a:rPr lang="en-US" smtClean="0"/>
-              <a:t>1/4/16</a:t>
+              <a:t>1/5/2016</a:t>
             </a:fld>
             <a:endParaRPr lang="en-US"/>
           </a:p>
@@ -1736,7 +1893,7 @@
           <a:p>
             <a:fld id="{679BC7E7-EA8E-4DA7-915E-CC098D9BADCB}" type="datetimeFigureOut">
               <a:rPr lang="en-US" smtClean="0"/>
-              <a:t>1/4/16</a:t>
+              <a:t>1/5/2016</a:t>
             </a:fld>
             <a:endParaRPr lang="en-US"/>
           </a:p>
@@ -1961,7 +2118,7 @@
           <a:p>
             <a:fld id="{679BC7E7-EA8E-4DA7-915E-CC098D9BADCB}" type="datetimeFigureOut">
               <a:rPr lang="en-US" smtClean="0"/>
-              <a:t>1/4/16</a:t>
+              <a:t>1/5/2016</a:t>
             </a:fld>
             <a:endParaRPr lang="en-US"/>
           </a:p>
@@ -2231,7 +2388,7 @@
           <a:p>
             <a:fld id="{679BC7E7-EA8E-4DA7-915E-CC098D9BADCB}" type="datetimeFigureOut">
               <a:rPr lang="en-US" smtClean="0"/>
-              <a:t>1/4/16</a:t>
+              <a:t>1/5/2016</a:t>
             </a:fld>
             <a:endParaRPr lang="en-US"/>
           </a:p>
@@ -2556,7 +2713,7 @@
           <a:p>
             <a:fld id="{679BC7E7-EA8E-4DA7-915E-CC098D9BADCB}" type="datetimeFigureOut">
               <a:rPr lang="en-US" smtClean="0"/>
-              <a:t>1/4/16</a:t>
+              <a:t>1/5/2016</a:t>
             </a:fld>
             <a:endParaRPr lang="en-US"/>
           </a:p>
@@ -2749,7 +2906,7 @@
           <a:p>
             <a:fld id="{679BC7E7-EA8E-4DA7-915E-CC098D9BADCB}" type="datetimeFigureOut">
               <a:rPr lang="en-US" smtClean="0"/>
-              <a:t>1/4/16</a:t>
+              <a:t>1/5/2016</a:t>
             </a:fld>
             <a:endParaRPr lang="en-US"/>
           </a:p>
@@ -2853,7 +3010,7 @@
           <a:p>
             <a:fld id="{679BC7E7-EA8E-4DA7-915E-CC098D9BADCB}" type="datetimeFigureOut">
               <a:rPr lang="en-US" smtClean="0"/>
-              <a:t>1/4/16</a:t>
+              <a:t>1/5/2016</a:t>
             </a:fld>
             <a:endParaRPr lang="en-US"/>
           </a:p>
@@ -3022,7 +3179,7 @@
           <a:p>
             <a:fld id="{679BC7E7-EA8E-4DA7-915E-CC098D9BADCB}" type="datetimeFigureOut">
               <a:rPr lang="en-US" smtClean="0"/>
-              <a:t>1/4/16</a:t>
+              <a:t>1/5/2016</a:t>
             </a:fld>
             <a:endParaRPr lang="en-US"/>
           </a:p>
@@ -3286,7 +3443,7 @@
           <a:p>
             <a:fld id="{679BC7E7-EA8E-4DA7-915E-CC098D9BADCB}" type="datetimeFigureOut">
               <a:rPr lang="en-US" smtClean="0"/>
-              <a:t>1/4/16</a:t>
+              <a:t>1/5/2016</a:t>
             </a:fld>
             <a:endParaRPr lang="en-US"/>
           </a:p>
@@ -3620,7 +3777,7 @@
           <a:p>
             <a:fld id="{679BC7E7-EA8E-4DA7-915E-CC098D9BADCB}" type="datetimeFigureOut">
               <a:rPr lang="en-US" smtClean="0"/>
-              <a:t>1/4/16</a:t>
+              <a:t>1/5/2016</a:t>
             </a:fld>
             <a:endParaRPr lang="en-US"/>
           </a:p>
@@ -4061,7 +4218,7 @@
           <a:p>
             <a:fld id="{679BC7E7-EA8E-4DA7-915E-CC098D9BADCB}" type="datetimeFigureOut">
               <a:rPr lang="en-US" smtClean="0"/>
-              <a:t>1/4/16</a:t>
+              <a:t>1/5/2016</a:t>
             </a:fld>
             <a:endParaRPr lang="en-US"/>
           </a:p>
@@ -4259,7 +4416,7 @@
           <a:p>
             <a:fld id="{679BC7E7-EA8E-4DA7-915E-CC098D9BADCB}" type="datetimeFigureOut">
               <a:rPr lang="en-US" smtClean="0"/>
-              <a:t>1/4/16</a:t>
+              <a:t>1/5/2016</a:t>
             </a:fld>
             <a:endParaRPr lang="en-US"/>
           </a:p>
@@ -4542,7 +4699,7 @@
           <a:p>
             <a:fld id="{679BC7E7-EA8E-4DA7-915E-CC098D9BADCB}" type="datetimeFigureOut">
               <a:rPr lang="en-US" smtClean="0"/>
-              <a:t>1/4/16</a:t>
+              <a:t>1/5/2016</a:t>
             </a:fld>
             <a:endParaRPr lang="en-US"/>
           </a:p>
@@ -4910,7 +5067,7 @@
           <a:p>
             <a:fld id="{679BC7E7-EA8E-4DA7-915E-CC098D9BADCB}" type="datetimeFigureOut">
               <a:rPr lang="en-US" smtClean="0"/>
-              <a:t>1/4/16</a:t>
+              <a:t>1/5/2016</a:t>
             </a:fld>
             <a:endParaRPr lang="en-US"/>
           </a:p>
@@ -5406,7 +5563,7 @@
           <a:p>
             <a:fld id="{679BC7E7-EA8E-4DA7-915E-CC098D9BADCB}" type="datetimeFigureOut">
               <a:rPr lang="en-US" smtClean="0"/>
-              <a:t>1/4/16</a:t>
+              <a:t>1/5/2016</a:t>
             </a:fld>
             <a:endParaRPr lang="en-US"/>
           </a:p>
@@ -5615,7 +5772,7 @@
           <a:p>
             <a:fld id="{679BC7E7-EA8E-4DA7-915E-CC098D9BADCB}" type="datetimeFigureOut">
               <a:rPr lang="en-US" smtClean="0"/>
-              <a:t>1/4/16</a:t>
+              <a:t>1/5/2016</a:t>
             </a:fld>
             <a:endParaRPr lang="en-US"/>
           </a:p>
@@ -6291,6 +6448,145 @@
     <p:extLst>
       <p:ext uri="{BB962C8B-B14F-4D97-AF65-F5344CB8AC3E}">
         <p14:creationId xmlns:p14="http://schemas.microsoft.com/office/powerpoint/2010/main" val="1129306530"/>
+      </p:ext>
+    </p:extLst>
+  </p:cSld>
+  <p:clrMapOvr>
+    <a:masterClrMapping/>
+  </p:clrMapOvr>
+</p:sld>
+</file>
+
+<file path=ppt/slides/slide12.xml><?xml version="1.0" encoding="utf-8"?>
+<p:sld xmlns:a="http://schemas.openxmlformats.org/drawingml/2006/main" xmlns:r="http://schemas.openxmlformats.org/officeDocument/2006/relationships" xmlns:p="http://schemas.openxmlformats.org/presentationml/2006/main">
+  <p:cSld>
+    <p:spTree>
+      <p:nvGrpSpPr>
+        <p:cNvPr id="1" name=""/>
+        <p:cNvGrpSpPr/>
+        <p:nvPr/>
+      </p:nvGrpSpPr>
+      <p:grpSpPr>
+        <a:xfrm>
+          <a:off x="0" y="0"/>
+          <a:ext cx="0" cy="0"/>
+          <a:chOff x="0" y="0"/>
+          <a:chExt cx="0" cy="0"/>
+        </a:xfrm>
+      </p:grpSpPr>
+      <p:sp>
+        <p:nvSpPr>
+          <p:cNvPr id="2" name="Title 1"/>
+          <p:cNvSpPr>
+            <a:spLocks noGrp="1"/>
+          </p:cNvSpPr>
+          <p:nvPr>
+            <p:ph type="title"/>
+          </p:nvPr>
+        </p:nvSpPr>
+        <p:spPr/>
+        <p:txBody>
+          <a:bodyPr/>
+          <a:lstStyle/>
+          <a:p>
+            <a:r>
+              <a:rPr lang="en-US" dirty="0" smtClean="0"/>
+              <a:t>Takeaways</a:t>
+            </a:r>
+            <a:endParaRPr lang="en-US" dirty="0"/>
+          </a:p>
+        </p:txBody>
+      </p:sp>
+      <p:sp>
+        <p:nvSpPr>
+          <p:cNvPr id="3" name="Content Placeholder 2"/>
+          <p:cNvSpPr>
+            <a:spLocks noGrp="1"/>
+          </p:cNvSpPr>
+          <p:nvPr>
+            <p:ph idx="1"/>
+          </p:nvPr>
+        </p:nvSpPr>
+        <p:spPr/>
+        <p:txBody>
+          <a:bodyPr>
+            <a:normAutofit fontScale="70000" lnSpcReduction="20000"/>
+          </a:bodyPr>
+          <a:lstStyle/>
+          <a:p>
+            <a:r>
+              <a:rPr lang="en-US" dirty="0" smtClean="0"/>
+              <a:t>LDNG has already contains some foundational aspects of </a:t>
+            </a:r>
+            <a:r>
+              <a:rPr lang="en-US" dirty="0" err="1" smtClean="0"/>
+              <a:t>microservice</a:t>
+            </a:r>
+            <a:r>
+              <a:rPr lang="en-US" dirty="0" smtClean="0"/>
+              <a:t> and cloud native architectures.  </a:t>
+            </a:r>
+            <a:endParaRPr lang="en-US" dirty="0" smtClean="0"/>
+          </a:p>
+          <a:p>
+            <a:r>
+              <a:rPr lang="en-US" dirty="0" err="1" smtClean="0"/>
+              <a:t>Microservices</a:t>
+            </a:r>
+            <a:r>
+              <a:rPr lang="en-US" dirty="0" smtClean="0"/>
+              <a:t> Learning </a:t>
+            </a:r>
+            <a:endParaRPr lang="en-US" dirty="0" smtClean="0"/>
+          </a:p>
+          <a:p>
+            <a:pPr lvl="1"/>
+            <a:r>
+              <a:rPr lang="en-US" dirty="0" smtClean="0"/>
+              <a:t>Does not infer/imply functional/domain sizing (forget “micro”)</a:t>
+            </a:r>
+            <a:endParaRPr lang="en-US" dirty="0" smtClean="0"/>
+          </a:p>
+          <a:p>
+            <a:pPr lvl="1"/>
+            <a:r>
+              <a:rPr lang="en-US" dirty="0" smtClean="0"/>
+              <a:t>Applications and cloud providers should adhere to the 12 factor methodology</a:t>
+            </a:r>
+            <a:endParaRPr lang="en-US" dirty="0" smtClean="0"/>
+          </a:p>
+          <a:p>
+            <a:pPr lvl="1"/>
+            <a:r>
+              <a:rPr lang="en-US" dirty="0" smtClean="0"/>
+              <a:t>Not a “silver bullet” … complexity trade-offs</a:t>
+            </a:r>
+            <a:endParaRPr lang="en-US" dirty="0" smtClean="0"/>
+          </a:p>
+          <a:p>
+            <a:r>
+              <a:rPr lang="en-US" dirty="0" smtClean="0"/>
+              <a:t>Cloud provider sophistication is evolving rapidly and is mature enough to facilitate “new adopters” </a:t>
+            </a:r>
+            <a:r>
+              <a:rPr lang="en-US" dirty="0" smtClean="0"/>
+              <a:t>more easily</a:t>
+            </a:r>
+            <a:endParaRPr lang="en-US" dirty="0" smtClean="0"/>
+          </a:p>
+          <a:p>
+            <a:r>
+              <a:rPr lang="en-US" dirty="0" smtClean="0"/>
+              <a:t>Spring Boot is a mature framework to facilitate the creation of applications and/or services that incorporates industry leading components, libraries, and databases </a:t>
+            </a:r>
+            <a:endParaRPr lang="en-US" dirty="0" smtClean="0"/>
+          </a:p>
+        </p:txBody>
+      </p:sp>
+    </p:spTree>
+    <p:extLst>
+      <p:ext uri="{BB962C8B-B14F-4D97-AF65-F5344CB8AC3E}">
+        <p14:creationId xmlns:p14="http://schemas.microsoft.com/office/powerpoint/2010/main" val="220819294"/>
       </p:ext>
     </p:extLst>
   </p:cSld>

--- a/ArchConf2015-takeaways-v2.pptx
+++ b/ArchConf2015-takeaways-v2.pptx
@@ -6515,8 +6515,16 @@
           <a:lstStyle/>
           <a:p>
             <a:r>
+              <a:rPr lang="en-US" smtClean="0"/>
+              <a:t>LDNG </a:t>
+            </a:r>
+            <a:r>
+              <a:rPr lang="en-US" smtClean="0"/>
+              <a:t>already </a:t>
+            </a:r>
+            <a:r>
               <a:rPr lang="en-US" dirty="0" smtClean="0"/>
-              <a:t>LDNG has already contains some foundational aspects of </a:t>
+              <a:t>contains some foundational aspects of </a:t>
             </a:r>
             <a:r>
               <a:rPr lang="en-US" dirty="0" err="1" smtClean="0"/>
@@ -6526,7 +6534,6 @@
               <a:rPr lang="en-US" dirty="0" smtClean="0"/>
               <a:t> and cloud native architectures.  </a:t>
             </a:r>
-            <a:endParaRPr lang="en-US" dirty="0" smtClean="0"/>
           </a:p>
           <a:p>
             <a:r>
@@ -6537,7 +6544,6 @@
               <a:rPr lang="en-US" dirty="0" smtClean="0"/>
               <a:t> Learning </a:t>
             </a:r>
-            <a:endParaRPr lang="en-US" dirty="0" smtClean="0"/>
           </a:p>
           <a:p>
             <a:pPr lvl="1"/>
@@ -6545,7 +6551,6 @@
               <a:rPr lang="en-US" dirty="0" smtClean="0"/>
               <a:t>Does not infer/imply functional/domain sizing (forget “micro”)</a:t>
             </a:r>
-            <a:endParaRPr lang="en-US" dirty="0" smtClean="0"/>
           </a:p>
           <a:p>
             <a:pPr lvl="1"/>
@@ -6553,7 +6558,6 @@
               <a:rPr lang="en-US" dirty="0" smtClean="0"/>
               <a:t>Applications and cloud providers should adhere to the 12 factor methodology</a:t>
             </a:r>
-            <a:endParaRPr lang="en-US" dirty="0" smtClean="0"/>
           </a:p>
           <a:p>
             <a:pPr lvl="1"/>
@@ -6561,25 +6565,18 @@
               <a:rPr lang="en-US" dirty="0" smtClean="0"/>
               <a:t>Not a “silver bullet” … complexity trade-offs</a:t>
             </a:r>
-            <a:endParaRPr lang="en-US" dirty="0" smtClean="0"/>
           </a:p>
           <a:p>
             <a:r>
               <a:rPr lang="en-US" dirty="0" smtClean="0"/>
-              <a:t>Cloud provider sophistication is evolving rapidly and is mature enough to facilitate “new adopters” </a:t>
-            </a:r>
-            <a:r>
-              <a:rPr lang="en-US" dirty="0" smtClean="0"/>
-              <a:t>more easily</a:t>
-            </a:r>
-            <a:endParaRPr lang="en-US" dirty="0" smtClean="0"/>
+              <a:t>Cloud provider sophistication is evolving rapidly and is mature enough to facilitate “new adopters” more easily</a:t>
+            </a:r>
           </a:p>
           <a:p>
             <a:r>
               <a:rPr lang="en-US" dirty="0" smtClean="0"/>
               <a:t>Spring Boot is a mature framework to facilitate the creation of applications and/or services that incorporates industry leading components, libraries, and databases </a:t>
             </a:r>
-            <a:endParaRPr lang="en-US" dirty="0" smtClean="0"/>
           </a:p>
         </p:txBody>
       </p:sp>
